--- a/Maximum Distance Gradient for Robust Image Registration.pptx
+++ b/Maximum Distance Gradient for Robust Image Registration.pptx
@@ -135,10 +135,6 @@
 </p:presentation>
 </file>
 
-<file path=ppt/revisionInfo.xml><?xml version="1.0" encoding="utf-8"?>
-<p1510:revInfo xmlns:a="http://schemas.openxmlformats.org/drawingml/2006/main" xmlns:r="http://schemas.openxmlformats.org/officeDocument/2006/relationships" xmlns:p1510="http://schemas.microsoft.com/office/powerpoint/2015/10/main"/>
-</file>
-
 <file path=ppt/notesMasters/notesMaster1.xml><?xml version="1.0" encoding="utf-8"?>
 <p:notesMaster xmlns:a="http://schemas.openxmlformats.org/drawingml/2006/main" xmlns:r="http://schemas.openxmlformats.org/officeDocument/2006/relationships" xmlns:p="http://schemas.openxmlformats.org/presentationml/2006/main">
   <p:cSld>
@@ -221,7 +217,7 @@
           <a:p>
             <a:fld id="{9F94D248-1A35-44C6-8CCD-E7E8C3F9CB92}" type="datetimeFigureOut">
               <a:rPr lang="en-US" smtClean="0"/>
-              <a:t>4/8/2018</a:t>
+              <a:t>4/9/2018</a:t>
             </a:fld>
             <a:endParaRPr lang="en-US"/>
           </a:p>
@@ -6224,7 +6220,31 @@
           <a:bodyPr/>
           <a:lstStyle/>
           <a:p>
-            <a:endParaRPr lang="en-US"/>
+            <a:r>
+              <a:rPr lang="en-US" dirty="0"/>
+              <a:t>Translation in x-y with -40 – 90 : successful </a:t>
+            </a:r>
+          </a:p>
+          <a:p>
+            <a:r>
+              <a:rPr lang="en-US" dirty="0"/>
+              <a:t>Perturbations in all axes: x-axis trans: 32 y-axis trans:-80 x-axis rotation: 16 degrees. y-axis rotation: 4, z-axis rotation: -8 degrees FAILED to align in all axes of rotations </a:t>
+            </a:r>
+          </a:p>
+          <a:p>
+            <a:r>
+              <a:rPr lang="en-US" dirty="0"/>
+              <a:t> </a:t>
+            </a:r>
+          </a:p>
+          <a:p>
+            <a:pPr marL="0" indent="0">
+              <a:buNone/>
+            </a:pPr>
+            <a:endParaRPr lang="en-US" dirty="0"/>
+          </a:p>
+          <a:p>
+            <a:endParaRPr lang="en-US" dirty="0"/>
           </a:p>
         </p:txBody>
       </p:sp>
@@ -8234,8 +8254,8 @@
           </a:p>
         </p:txBody>
       </p:sp>
-      <mc:AlternateContent xmlns:mc="http://schemas.openxmlformats.org/markup-compatibility/2006">
-        <mc:Choice xmlns:a14="http://schemas.microsoft.com/office/drawing/2010/main" Requires="a14">
+      <mc:AlternateContent xmlns:mc="http://schemas.openxmlformats.org/markup-compatibility/2006" xmlns:a14="http://schemas.microsoft.com/office/drawing/2010/main">
+        <mc:Choice Requires="a14">
           <p:sp>
             <p:nvSpPr>
               <p:cNvPr id="3" name="Content Placeholder 2">
@@ -8422,7 +8442,7 @@
             </p:txBody>
           </p:sp>
         </mc:Choice>
-        <mc:Fallback>
+        <mc:Fallback xmlns="">
           <p:sp>
             <p:nvSpPr>
               <p:cNvPr id="3" name="Content Placeholder 2">

--- a/Maximum Distance Gradient for Robust Image Registration.pptx
+++ b/Maximum Distance Gradient for Robust Image Registration.pptx
@@ -135,6 +135,10 @@
 </p:presentation>
 </file>
 
+<file path=ppt/revisionInfo.xml><?xml version="1.0" encoding="utf-8"?>
+<p1510:revInfo xmlns:a="http://schemas.openxmlformats.org/drawingml/2006/main" xmlns:r="http://schemas.openxmlformats.org/officeDocument/2006/relationships" xmlns:p1510="http://schemas.microsoft.com/office/powerpoint/2015/10/main"/>
+</file>
+
 <file path=ppt/notesMasters/notesMaster1.xml><?xml version="1.0" encoding="utf-8"?>
 <p:notesMaster xmlns:a="http://schemas.openxmlformats.org/drawingml/2006/main" xmlns:r="http://schemas.openxmlformats.org/officeDocument/2006/relationships" xmlns:p="http://schemas.openxmlformats.org/presentationml/2006/main">
   <p:cSld>
@@ -660,6 +664,107 @@
     <p:extLst>
       <p:ext uri="{BB962C8B-B14F-4D97-AF65-F5344CB8AC3E}">
         <p14:creationId xmlns:p14="http://schemas.microsoft.com/office/powerpoint/2010/main" val="912089587"/>
+      </p:ext>
+    </p:extLst>
+  </p:cSld>
+  <p:clrMapOvr>
+    <a:masterClrMapping/>
+  </p:clrMapOvr>
+</p:notes>
+</file>
+
+<file path=ppt/notesSlides/notesSlide3.xml><?xml version="1.0" encoding="utf-8"?>
+<p:notes xmlns:a="http://schemas.openxmlformats.org/drawingml/2006/main" xmlns:r="http://schemas.openxmlformats.org/officeDocument/2006/relationships" xmlns:p="http://schemas.openxmlformats.org/presentationml/2006/main">
+  <p:cSld>
+    <p:spTree>
+      <p:nvGrpSpPr>
+        <p:cNvPr id="1" name=""/>
+        <p:cNvGrpSpPr/>
+        <p:nvPr/>
+      </p:nvGrpSpPr>
+      <p:grpSpPr>
+        <a:xfrm>
+          <a:off x="0" y="0"/>
+          <a:ext cx="0" cy="0"/>
+          <a:chOff x="0" y="0"/>
+          <a:chExt cx="0" cy="0"/>
+        </a:xfrm>
+      </p:grpSpPr>
+      <p:sp>
+        <p:nvSpPr>
+          <p:cNvPr id="2" name="Slide Image Placeholder 1"/>
+          <p:cNvSpPr>
+            <a:spLocks noGrp="1" noRot="1" noChangeAspect="1"/>
+          </p:cNvSpPr>
+          <p:nvPr>
+            <p:ph type="sldImg"/>
+          </p:nvPr>
+        </p:nvSpPr>
+        <p:spPr/>
+      </p:sp>
+      <p:sp>
+        <p:nvSpPr>
+          <p:cNvPr id="3" name="Notes Placeholder 2"/>
+          <p:cNvSpPr>
+            <a:spLocks noGrp="1"/>
+          </p:cNvSpPr>
+          <p:nvPr>
+            <p:ph type="body" idx="1"/>
+          </p:nvPr>
+        </p:nvSpPr>
+        <p:spPr/>
+        <p:txBody>
+          <a:bodyPr/>
+          <a:lstStyle/>
+          <a:p>
+            <a:r>
+              <a:rPr lang="en-US" dirty="0"/>
+              <a:t>Local edge information and globally defined spatial information. </a:t>
+            </a:r>
+          </a:p>
+          <a:p>
+            <a:r>
+              <a:rPr lang="en-US" dirty="0"/>
+              <a:t>Image gradient can be used to detect object boundaries, sudden intensity changes between voxels indicate a boundary. Only locally defined. Object boundaries occupy  a small proportion of medical images, while anatomical structures and other locations in the background occupy a large proportion of voxels. This limits the effectiveness in image gradient feature in </a:t>
+            </a:r>
+            <a:r>
+              <a:rPr lang="en-US" dirty="0" err="1"/>
+              <a:t>registeration</a:t>
+            </a:r>
+            <a:r>
+              <a:rPr lang="en-US" dirty="0"/>
+              <a:t> of medical images,=</a:t>
+            </a:r>
+          </a:p>
+        </p:txBody>
+      </p:sp>
+      <p:sp>
+        <p:nvSpPr>
+          <p:cNvPr id="4" name="Slide Number Placeholder 3"/>
+          <p:cNvSpPr>
+            <a:spLocks noGrp="1"/>
+          </p:cNvSpPr>
+          <p:nvPr>
+            <p:ph type="sldNum" sz="quarter" idx="10"/>
+          </p:nvPr>
+        </p:nvSpPr>
+        <p:spPr/>
+        <p:txBody>
+          <a:bodyPr/>
+          <a:lstStyle/>
+          <a:p>
+            <a:fld id="{DED49242-9518-4177-B32F-724D8B6E371A}" type="slidenum">
+              <a:rPr lang="en-US" smtClean="0"/>
+              <a:t>8</a:t>
+            </a:fld>
+            <a:endParaRPr lang="en-US"/>
+          </a:p>
+        </p:txBody>
+      </p:sp>
+    </p:spTree>
+    <p:extLst>
+      <p:ext uri="{BB962C8B-B14F-4D97-AF65-F5344CB8AC3E}">
+        <p14:creationId xmlns:p14="http://schemas.microsoft.com/office/powerpoint/2010/main" val="767527738"/>
       </p:ext>
     </p:extLst>
   </p:cSld>
@@ -6228,7 +6333,13 @@
           <a:p>
             <a:r>
               <a:rPr lang="en-US" dirty="0"/>
-              <a:t>Perturbations in all axes: x-axis trans: 32 y-axis trans:-80 x-axis rotation: 16 degrees. y-axis rotation: 4, z-axis rotation: -8 degrees FAILED to align in all axes of rotations </a:t>
+              <a:t>Perturbations in all axes: x-axis trans: 32 y-axis trans :-80 z-axis trans : 2</a:t>
+            </a:r>
+          </a:p>
+          <a:p>
+            <a:r>
+              <a:rPr lang="en-US" dirty="0"/>
+              <a:t> x-axis rotation: 16 degrees. y-axis rotation: 4, z-axis rotation: -8 degrees FAILED to align in all axes of rotations </a:t>
             </a:r>
           </a:p>
           <a:p>
@@ -7859,6 +7970,13 @@
             <a:r>
               <a:rPr lang="en-US" dirty="0"/>
               <a:t>	Multi-modal : images from different resolutions</a:t>
+            </a:r>
+          </a:p>
+          <a:p>
+            <a:pPr lvl="1"/>
+            <a:r>
+              <a:rPr lang="en-US" dirty="0"/>
+              <a:t>Intensity-based versus </a:t>
             </a:r>
           </a:p>
           <a:p>
@@ -9002,14 +9120,19 @@
             <p:ph type="title"/>
           </p:nvPr>
         </p:nvSpPr>
-        <p:spPr/>
+        <p:spPr>
+          <a:xfrm>
+            <a:off x="1097280" y="286603"/>
+            <a:ext cx="10058400" cy="1450757"/>
+          </a:xfrm>
+        </p:spPr>
         <p:txBody>
           <a:bodyPr/>
           <a:lstStyle/>
           <a:p>
             <a:r>
               <a:rPr lang="en-US" dirty="0"/>
-              <a:t>MDG Feature Field vs. Intensity Gradient</a:t>
+              <a:t>Image Gradient</a:t>
             </a:r>
           </a:p>
         </p:txBody>
@@ -9030,7 +9153,12 @@
             <p:ph type="dt" sz="half" idx="10"/>
           </p:nvPr>
         </p:nvSpPr>
-        <p:spPr/>
+        <p:spPr>
+          <a:xfrm>
+            <a:off x="1097280" y="6459785"/>
+            <a:ext cx="2472271" cy="365125"/>
+          </a:xfrm>
+        </p:spPr>
         <p:txBody>
           <a:bodyPr/>
           <a:lstStyle/>
@@ -9059,7 +9187,12 @@
             <p:ph type="ftr" sz="quarter" idx="11"/>
           </p:nvPr>
         </p:nvSpPr>
-        <p:spPr/>
+        <p:spPr>
+          <a:xfrm>
+            <a:off x="3686185" y="6459785"/>
+            <a:ext cx="4822804" cy="365125"/>
+          </a:xfrm>
+        </p:spPr>
         <p:txBody>
           <a:bodyPr/>
           <a:lstStyle/>
@@ -9088,7 +9221,12 @@
             <p:ph type="sldNum" sz="quarter" idx="12"/>
           </p:nvPr>
         </p:nvSpPr>
-        <p:spPr/>
+        <p:spPr>
+          <a:xfrm>
+            <a:off x="9900458" y="6459785"/>
+            <a:ext cx="1312025" cy="365125"/>
+          </a:xfrm>
+        </p:spPr>
         <p:txBody>
           <a:bodyPr/>
           <a:lstStyle/>
@@ -9101,12 +9239,310 @@
           </a:p>
         </p:txBody>
       </p:sp>
+      <p:pic>
+        <p:nvPicPr>
+          <p:cNvPr id="3" name="Picture 2">
+            <a:extLst>
+              <a:ext uri="{FF2B5EF4-FFF2-40B4-BE49-F238E27FC236}">
+                <a16:creationId xmlns:a16="http://schemas.microsoft.com/office/drawing/2014/main" id="{000B336D-2330-4780-9A0D-9E960BD367AA}"/>
+              </a:ext>
+            </a:extLst>
+          </p:cNvPr>
+          <p:cNvPicPr>
+            <a:picLocks noChangeAspect="1"/>
+          </p:cNvPicPr>
+          <p:nvPr/>
+        </p:nvPicPr>
+        <p:blipFill rotWithShape="1">
+          <a:blip r:embed="rId3"/>
+          <a:srcRect t="1932" r="61394" b="7684"/>
+          <a:stretch/>
+        </p:blipFill>
+        <p:spPr>
+          <a:xfrm>
+            <a:off x="6395559" y="2829302"/>
+            <a:ext cx="3101572" cy="3067050"/>
+          </a:xfrm>
+          <a:prstGeom prst="rect">
+            <a:avLst/>
+          </a:prstGeom>
+        </p:spPr>
+      </p:pic>
+      <p:pic>
+        <p:nvPicPr>
+          <p:cNvPr id="8" name="Picture 7">
+            <a:extLst>
+              <a:ext uri="{FF2B5EF4-FFF2-40B4-BE49-F238E27FC236}">
+                <a16:creationId xmlns:a16="http://schemas.microsoft.com/office/drawing/2014/main" id="{C93AEFBB-B2B0-4904-8E5E-E8C9F3BFFB82}"/>
+              </a:ext>
+            </a:extLst>
+          </p:cNvPr>
+          <p:cNvPicPr>
+            <a:picLocks noChangeAspect="1"/>
+          </p:cNvPicPr>
+          <p:nvPr/>
+        </p:nvPicPr>
+        <p:blipFill rotWithShape="1">
+          <a:blip r:embed="rId4"/>
+          <a:srcRect l="43688" r="2175" b="15263"/>
+          <a:stretch/>
+        </p:blipFill>
+        <p:spPr>
+          <a:xfrm>
+            <a:off x="8276781" y="3139645"/>
+            <a:ext cx="3388439" cy="2716700"/>
+          </a:xfrm>
+          <a:prstGeom prst="rect">
+            <a:avLst/>
+          </a:prstGeom>
+        </p:spPr>
+      </p:pic>
+      <p:pic>
+        <p:nvPicPr>
+          <p:cNvPr id="9" name="Picture 8">
+            <a:extLst>
+              <a:ext uri="{FF2B5EF4-FFF2-40B4-BE49-F238E27FC236}">
+                <a16:creationId xmlns:a16="http://schemas.microsoft.com/office/drawing/2014/main" id="{B4932B90-E8CE-466F-B1DA-1976B5284B05}"/>
+              </a:ext>
+            </a:extLst>
+          </p:cNvPr>
+          <p:cNvPicPr>
+            <a:picLocks noChangeAspect="1"/>
+          </p:cNvPicPr>
+          <p:nvPr/>
+        </p:nvPicPr>
+        <p:blipFill>
+          <a:blip r:embed="rId5"/>
+          <a:stretch>
+            <a:fillRect/>
+          </a:stretch>
+        </p:blipFill>
+        <p:spPr>
+          <a:xfrm>
+            <a:off x="228138" y="2789295"/>
+            <a:ext cx="3019425" cy="3067050"/>
+          </a:xfrm>
+          <a:prstGeom prst="rect">
+            <a:avLst/>
+          </a:prstGeom>
+        </p:spPr>
+      </p:pic>
+      <p:pic>
+        <p:nvPicPr>
+          <p:cNvPr id="10" name="Picture 9">
+            <a:extLst>
+              <a:ext uri="{FF2B5EF4-FFF2-40B4-BE49-F238E27FC236}">
+                <a16:creationId xmlns:a16="http://schemas.microsoft.com/office/drawing/2014/main" id="{1C98915E-014F-4820-9F2C-BF7DED8443F4}"/>
+              </a:ext>
+            </a:extLst>
+          </p:cNvPr>
+          <p:cNvPicPr>
+            <a:picLocks noChangeAspect="1"/>
+          </p:cNvPicPr>
+          <p:nvPr/>
+        </p:nvPicPr>
+        <p:blipFill>
+          <a:blip r:embed="rId6"/>
+          <a:stretch>
+            <a:fillRect/>
+          </a:stretch>
+        </p:blipFill>
+        <p:spPr>
+          <a:xfrm>
+            <a:off x="3569551" y="2854778"/>
+            <a:ext cx="3471761" cy="2726148"/>
+          </a:xfrm>
+          <a:prstGeom prst="rect">
+            <a:avLst/>
+          </a:prstGeom>
+        </p:spPr>
+      </p:pic>
+    </p:spTree>
+    <p:extLst>
+      <p:ext uri="{BB962C8B-B14F-4D97-AF65-F5344CB8AC3E}">
+        <p14:creationId xmlns:p14="http://schemas.microsoft.com/office/powerpoint/2010/main" val="2168163670"/>
+      </p:ext>
+    </p:extLst>
+  </p:cSld>
+  <p:clrMapOvr>
+    <a:masterClrMapping/>
+  </p:clrMapOvr>
+</p:sld>
+</file>
+
+<file path=ppt/slides/slide9.xml><?xml version="1.0" encoding="utf-8"?>
+<p:sld xmlns:a="http://schemas.openxmlformats.org/drawingml/2006/main" xmlns:r="http://schemas.openxmlformats.org/officeDocument/2006/relationships" xmlns:p="http://schemas.openxmlformats.org/presentationml/2006/main">
+  <p:cSld>
+    <p:spTree>
+      <p:nvGrpSpPr>
+        <p:cNvPr id="1" name=""/>
+        <p:cNvGrpSpPr/>
+        <p:nvPr/>
+      </p:nvGrpSpPr>
+      <p:grpSpPr>
+        <a:xfrm>
+          <a:off x="0" y="0"/>
+          <a:ext cx="0" cy="0"/>
+          <a:chOff x="0" y="0"/>
+          <a:chExt cx="0" cy="0"/>
+        </a:xfrm>
+      </p:grpSpPr>
+      <p:sp>
+        <p:nvSpPr>
+          <p:cNvPr id="2" name="Title 1">
+            <a:extLst>
+              <a:ext uri="{FF2B5EF4-FFF2-40B4-BE49-F238E27FC236}">
+                <a16:creationId xmlns:a16="http://schemas.microsoft.com/office/drawing/2014/main" id="{47173933-190D-499E-8667-E957D4A1051E}"/>
+              </a:ext>
+            </a:extLst>
+          </p:cNvPr>
+          <p:cNvSpPr>
+            <a:spLocks noGrp="1"/>
+          </p:cNvSpPr>
+          <p:nvPr>
+            <p:ph type="title"/>
+          </p:nvPr>
+        </p:nvSpPr>
+        <p:spPr/>
+        <p:txBody>
+          <a:bodyPr>
+            <a:normAutofit/>
+          </a:bodyPr>
+          <a:lstStyle/>
+          <a:p>
+            <a:r>
+              <a:rPr lang="en-US" dirty="0"/>
+              <a:t>What is MDG Feature Field? Signed MDG Feature Field</a:t>
+            </a:r>
+          </a:p>
+        </p:txBody>
+      </p:sp>
+      <p:sp>
+        <p:nvSpPr>
+          <p:cNvPr id="3" name="Content Placeholder 2">
+            <a:extLst>
+              <a:ext uri="{FF2B5EF4-FFF2-40B4-BE49-F238E27FC236}">
+                <a16:creationId xmlns:a16="http://schemas.microsoft.com/office/drawing/2014/main" id="{C7D7F2A7-F133-4A91-BDFC-FC27BCA9DBA7}"/>
+              </a:ext>
+            </a:extLst>
+          </p:cNvPr>
+          <p:cNvSpPr>
+            <a:spLocks noGrp="1"/>
+          </p:cNvSpPr>
+          <p:nvPr>
+            <p:ph idx="1"/>
+          </p:nvPr>
+        </p:nvSpPr>
+        <p:spPr>
+          <a:xfrm>
+            <a:off x="1097280" y="3952568"/>
+            <a:ext cx="10058400" cy="1916526"/>
+          </a:xfrm>
+        </p:spPr>
+        <p:txBody>
+          <a:bodyPr/>
+          <a:lstStyle/>
+          <a:p>
+            <a:r>
+              <a:rPr lang="en-US" dirty="0"/>
+              <a:t>Encodes both local edge information and spatial information at a global level. </a:t>
+            </a:r>
+          </a:p>
+        </p:txBody>
+      </p:sp>
+      <p:sp>
+        <p:nvSpPr>
+          <p:cNvPr id="4" name="Date Placeholder 3">
+            <a:extLst>
+              <a:ext uri="{FF2B5EF4-FFF2-40B4-BE49-F238E27FC236}">
+                <a16:creationId xmlns:a16="http://schemas.microsoft.com/office/drawing/2014/main" id="{888ACCD3-AF37-4E37-B046-ABEEF6CEB4DE}"/>
+              </a:ext>
+            </a:extLst>
+          </p:cNvPr>
+          <p:cNvSpPr>
+            <a:spLocks noGrp="1"/>
+          </p:cNvSpPr>
+          <p:nvPr>
+            <p:ph type="dt" sz="half" idx="10"/>
+          </p:nvPr>
+        </p:nvSpPr>
+        <p:spPr/>
+        <p:txBody>
+          <a:bodyPr/>
+          <a:lstStyle/>
+          <a:p>
+            <a:r>
+              <a:rPr lang="en-US"/>
+              <a:t>Tuesday, April 10, 2018</a:t>
+            </a:r>
+            <a:endParaRPr lang="en-CA"/>
+          </a:p>
+        </p:txBody>
+      </p:sp>
+      <p:sp>
+        <p:nvSpPr>
+          <p:cNvPr id="5" name="Footer Placeholder 4">
+            <a:extLst>
+              <a:ext uri="{FF2B5EF4-FFF2-40B4-BE49-F238E27FC236}">
+                <a16:creationId xmlns:a16="http://schemas.microsoft.com/office/drawing/2014/main" id="{C23AD3E3-9670-46D5-AC60-729418F93629}"/>
+              </a:ext>
+            </a:extLst>
+          </p:cNvPr>
+          <p:cNvSpPr>
+            <a:spLocks noGrp="1"/>
+          </p:cNvSpPr>
+          <p:nvPr>
+            <p:ph type="ftr" sz="quarter" idx="11"/>
+          </p:nvPr>
+        </p:nvSpPr>
+        <p:spPr/>
+        <p:txBody>
+          <a:bodyPr/>
+          <a:lstStyle/>
+          <a:p>
+            <a:r>
+              <a:rPr lang="en-US"/>
+              <a:t>ECSE 626 – Project – Chrouk Kassem</a:t>
+            </a:r>
+            <a:endParaRPr lang="en-CA"/>
+          </a:p>
+        </p:txBody>
+      </p:sp>
+      <p:sp>
+        <p:nvSpPr>
+          <p:cNvPr id="6" name="Slide Number Placeholder 5">
+            <a:extLst>
+              <a:ext uri="{FF2B5EF4-FFF2-40B4-BE49-F238E27FC236}">
+                <a16:creationId xmlns:a16="http://schemas.microsoft.com/office/drawing/2014/main" id="{8EE1882A-A109-4CF2-8894-8CEAEF91942F}"/>
+              </a:ext>
+            </a:extLst>
+          </p:cNvPr>
+          <p:cNvSpPr>
+            <a:spLocks noGrp="1"/>
+          </p:cNvSpPr>
+          <p:nvPr>
+            <p:ph type="sldNum" sz="quarter" idx="12"/>
+          </p:nvPr>
+        </p:nvSpPr>
+        <p:spPr/>
+        <p:txBody>
+          <a:bodyPr/>
+          <a:lstStyle/>
+          <a:p>
+            <a:fld id="{7FCE7C4C-5305-42F7-8409-9C2A3A03EF86}" type="slidenum">
+              <a:rPr lang="en-CA" smtClean="0"/>
+              <a:t>9</a:t>
+            </a:fld>
+            <a:endParaRPr lang="en-CA"/>
+          </a:p>
+        </p:txBody>
+      </p:sp>
       <p:sp>
         <p:nvSpPr>
           <p:cNvPr id="7" name="Text Placeholder 6">
             <a:extLst>
               <a:ext uri="{FF2B5EF4-FFF2-40B4-BE49-F238E27FC236}">
-                <a16:creationId xmlns:a16="http://schemas.microsoft.com/office/drawing/2014/main" id="{08BEDA4D-FD93-40E8-A760-CB9BD8E53433}"/>
+                <a16:creationId xmlns:a16="http://schemas.microsoft.com/office/drawing/2014/main" id="{E467E35F-6527-447F-911B-CAFBC3F0E02A}"/>
               </a:ext>
             </a:extLst>
           </p:cNvPr>
@@ -9117,8 +9553,8 @@
         </p:nvSpPr>
         <p:spPr>
           <a:xfrm>
-            <a:off x="1097280" y="2002041"/>
-            <a:ext cx="8983422" cy="651189"/>
+            <a:off x="1098459" y="2055948"/>
+            <a:ext cx="7551470" cy="1734388"/>
           </a:xfrm>
           <a:prstGeom prst="rect">
             <a:avLst/>
@@ -9378,180 +9814,38 @@
           <a:p>
             <a:r>
               <a:rPr lang="en-US" dirty="0"/>
-              <a:t>Other measures only embed local spatial information</a:t>
-            </a:r>
-          </a:p>
-        </p:txBody>
-      </p:sp>
-    </p:spTree>
-    <p:extLst>
-      <p:ext uri="{BB962C8B-B14F-4D97-AF65-F5344CB8AC3E}">
-        <p14:creationId xmlns:p14="http://schemas.microsoft.com/office/powerpoint/2010/main" val="2168163670"/>
-      </p:ext>
-    </p:extLst>
-  </p:cSld>
-  <p:clrMapOvr>
-    <a:masterClrMapping/>
-  </p:clrMapOvr>
-</p:sld>
-</file>
-
-<file path=ppt/slides/slide9.xml><?xml version="1.0" encoding="utf-8"?>
-<p:sld xmlns:a="http://schemas.openxmlformats.org/drawingml/2006/main" xmlns:r="http://schemas.openxmlformats.org/officeDocument/2006/relationships" xmlns:p="http://schemas.openxmlformats.org/presentationml/2006/main">
-  <p:cSld>
-    <p:spTree>
-      <p:nvGrpSpPr>
-        <p:cNvPr id="1" name=""/>
-        <p:cNvGrpSpPr/>
-        <p:nvPr/>
-      </p:nvGrpSpPr>
-      <p:grpSpPr>
-        <a:xfrm>
-          <a:off x="0" y="0"/>
-          <a:ext cx="0" cy="0"/>
-          <a:chOff x="0" y="0"/>
-          <a:chExt cx="0" cy="0"/>
-        </a:xfrm>
-      </p:grpSpPr>
-      <p:sp>
-        <p:nvSpPr>
-          <p:cNvPr id="2" name="Title 1">
-            <a:extLst>
-              <a:ext uri="{FF2B5EF4-FFF2-40B4-BE49-F238E27FC236}">
-                <a16:creationId xmlns:a16="http://schemas.microsoft.com/office/drawing/2014/main" id="{47173933-190D-499E-8667-E957D4A1051E}"/>
-              </a:ext>
-            </a:extLst>
-          </p:cNvPr>
-          <p:cNvSpPr>
-            <a:spLocks noGrp="1"/>
-          </p:cNvSpPr>
-          <p:nvPr>
-            <p:ph type="title"/>
-          </p:nvPr>
-        </p:nvSpPr>
-        <p:spPr/>
-        <p:txBody>
-          <a:bodyPr>
-            <a:normAutofit/>
-          </a:bodyPr>
-          <a:lstStyle/>
-          <a:p>
+              <a:t>Spatial Feature field called maximum distance gradient</a:t>
+            </a:r>
+          </a:p>
+          <a:p>
+            <a:pPr marL="457200" indent="-457200">
+              <a:buFont typeface="+mj-lt"/>
+              <a:buAutoNum type="arabicPeriod"/>
+            </a:pPr>
             <a:r>
               <a:rPr lang="en-US" dirty="0"/>
-              <a:t>What is MDG Feature Field? Signed MDG Feature Field</a:t>
-            </a:r>
-          </a:p>
-        </p:txBody>
-      </p:sp>
-      <p:sp>
-        <p:nvSpPr>
-          <p:cNvPr id="3" name="Content Placeholder 2">
-            <a:extLst>
-              <a:ext uri="{FF2B5EF4-FFF2-40B4-BE49-F238E27FC236}">
-                <a16:creationId xmlns:a16="http://schemas.microsoft.com/office/drawing/2014/main" id="{C7D7F2A7-F133-4A91-BDFC-FC27BCA9DBA7}"/>
-              </a:ext>
-            </a:extLst>
-          </p:cNvPr>
-          <p:cNvSpPr>
-            <a:spLocks noGrp="1"/>
-          </p:cNvSpPr>
-          <p:nvPr>
-            <p:ph idx="1"/>
-          </p:nvPr>
-        </p:nvSpPr>
-        <p:spPr/>
-        <p:txBody>
-          <a:bodyPr/>
-          <a:lstStyle/>
-          <a:p>
-            <a:endParaRPr lang="en-US" dirty="0"/>
-          </a:p>
-        </p:txBody>
-      </p:sp>
-      <p:sp>
-        <p:nvSpPr>
-          <p:cNvPr id="4" name="Date Placeholder 3">
-            <a:extLst>
-              <a:ext uri="{FF2B5EF4-FFF2-40B4-BE49-F238E27FC236}">
-                <a16:creationId xmlns:a16="http://schemas.microsoft.com/office/drawing/2014/main" id="{888ACCD3-AF37-4E37-B046-ABEEF6CEB4DE}"/>
-              </a:ext>
-            </a:extLst>
-          </p:cNvPr>
-          <p:cNvSpPr>
-            <a:spLocks noGrp="1"/>
-          </p:cNvSpPr>
-          <p:nvPr>
-            <p:ph type="dt" sz="half" idx="10"/>
-          </p:nvPr>
-        </p:nvSpPr>
-        <p:spPr/>
-        <p:txBody>
-          <a:bodyPr/>
-          <a:lstStyle/>
-          <a:p>
-            <a:r>
-              <a:rPr lang="en-US"/>
-              <a:t>Tuesday, April 10, 2018</a:t>
-            </a:r>
-            <a:endParaRPr lang="en-CA"/>
-          </a:p>
-        </p:txBody>
-      </p:sp>
-      <p:sp>
-        <p:nvSpPr>
-          <p:cNvPr id="5" name="Footer Placeholder 4">
-            <a:extLst>
-              <a:ext uri="{FF2B5EF4-FFF2-40B4-BE49-F238E27FC236}">
-                <a16:creationId xmlns:a16="http://schemas.microsoft.com/office/drawing/2014/main" id="{C23AD3E3-9670-46D5-AC60-729418F93629}"/>
-              </a:ext>
-            </a:extLst>
-          </p:cNvPr>
-          <p:cNvSpPr>
-            <a:spLocks noGrp="1"/>
-          </p:cNvSpPr>
-          <p:nvPr>
-            <p:ph type="ftr" sz="quarter" idx="11"/>
-          </p:nvPr>
-        </p:nvSpPr>
-        <p:spPr/>
-        <p:txBody>
-          <a:bodyPr/>
-          <a:lstStyle/>
-          <a:p>
-            <a:r>
-              <a:rPr lang="en-US"/>
-              <a:t>ECSE 626 – Project – Chrouk Kassem</a:t>
-            </a:r>
-            <a:endParaRPr lang="en-CA"/>
-          </a:p>
-        </p:txBody>
-      </p:sp>
-      <p:sp>
-        <p:nvSpPr>
-          <p:cNvPr id="6" name="Slide Number Placeholder 5">
-            <a:extLst>
-              <a:ext uri="{FF2B5EF4-FFF2-40B4-BE49-F238E27FC236}">
-                <a16:creationId xmlns:a16="http://schemas.microsoft.com/office/drawing/2014/main" id="{8EE1882A-A109-4CF2-8894-8CEAEF91942F}"/>
-              </a:ext>
-            </a:extLst>
-          </p:cNvPr>
-          <p:cNvSpPr>
-            <a:spLocks noGrp="1"/>
-          </p:cNvSpPr>
-          <p:nvPr>
-            <p:ph type="sldNum" sz="quarter" idx="12"/>
-          </p:nvPr>
-        </p:nvSpPr>
-        <p:spPr/>
-        <p:txBody>
-          <a:bodyPr/>
-          <a:lstStyle/>
-          <a:p>
-            <a:fld id="{7FCE7C4C-5305-42F7-8409-9C2A3A03EF86}" type="slidenum">
-              <a:rPr lang="en-CA" smtClean="0"/>
-              <a:t>9</a:t>
-            </a:fld>
-            <a:endParaRPr lang="en-CA"/>
+              <a:t>Intensity Difference</a:t>
+            </a:r>
+          </a:p>
+          <a:p>
+            <a:pPr marL="457200" indent="-457200">
+              <a:buFont typeface="+mj-lt"/>
+              <a:buAutoNum type="arabicPeriod"/>
+            </a:pPr>
+            <a:r>
+              <a:rPr lang="en-US" dirty="0"/>
+              <a:t>Distance</a:t>
+            </a:r>
+          </a:p>
+          <a:p>
+            <a:pPr marL="457200" indent="-457200">
+              <a:buFont typeface="+mj-lt"/>
+              <a:buAutoNum type="arabicPeriod"/>
+            </a:pPr>
+            <a:r>
+              <a:rPr lang="en-US" dirty="0"/>
+              <a:t>The direction of voxel to a MDG SOURCE PINT</a:t>
+            </a:r>
           </a:p>
         </p:txBody>
       </p:sp>
